--- a/presentations/requests-and-backend-dev.pptx
+++ b/presentations/requests-and-backend-dev.pptx
@@ -227,7 +227,7 @@
           <a:p>
             <a:fld id="{78B2772D-67CF-446E-AB14-873D70346968}" type="datetimeFigureOut">
               <a:rPr lang="en-GB" smtClean="0"/>
-              <a:t>10/02/2022</a:t>
+              <a:t>16/02/2022</a:t>
             </a:fld>
             <a:endParaRPr lang="en-GB"/>
           </a:p>
@@ -1570,7 +1570,7 @@
           <a:p>
             <a:fld id="{6C25FA03-981D-3F4F-ABFD-F2CAE44CF4DF}" type="datetime1">
               <a:rPr lang="en-GB" smtClean="0"/>
-              <a:t>10/02/2022</a:t>
+              <a:t>16/02/2022</a:t>
             </a:fld>
             <a:endParaRPr lang="en-GB"/>
           </a:p>
@@ -1890,7 +1890,7 @@
           <a:p>
             <a:fld id="{AD447513-F0D7-9140-9852-9A843D8B81D3}" type="datetime1">
               <a:rPr lang="en-GB" smtClean="0"/>
-              <a:t>10/02/2022</a:t>
+              <a:t>16/02/2022</a:t>
             </a:fld>
             <a:endParaRPr lang="en-GB"/>
           </a:p>
@@ -2303,7 +2303,7 @@
           <a:p>
             <a:fld id="{4FC983D9-AEB3-884A-8B61-40B359253CCD}" type="datetime1">
               <a:rPr lang="en-GB" smtClean="0"/>
-              <a:t>10/02/2022</a:t>
+              <a:t>16/02/2022</a:t>
             </a:fld>
             <a:endParaRPr lang="en-GB"/>
           </a:p>
@@ -3338,7 +3338,7 @@
           <a:p>
             <a:fld id="{862EF5BF-54FA-BF48-B61D-2432192EF666}" type="datetime1">
               <a:rPr lang="en-GB" smtClean="0"/>
-              <a:t>10/02/2022</a:t>
+              <a:t>16/02/2022</a:t>
             </a:fld>
             <a:endParaRPr lang="en-GB"/>
           </a:p>
@@ -6457,7 +6457,7 @@
           <a:p>
             <a:fld id="{08B972FC-9C63-1B41-803B-B958A5F6CE25}" type="datetime1">
               <a:rPr lang="en-GB" smtClean="0"/>
-              <a:t>10/02/2022</a:t>
+              <a:t>16/02/2022</a:t>
             </a:fld>
             <a:endParaRPr lang="en-GB"/>
           </a:p>
@@ -6585,7 +6585,7 @@
           <a:p>
             <a:fld id="{05210873-7FD8-1244-ABA1-499AC4AF712B}" type="datetime1">
               <a:rPr lang="en-GB" smtClean="0"/>
-              <a:t>10/02/2022</a:t>
+              <a:t>16/02/2022</a:t>
             </a:fld>
             <a:endParaRPr lang="en-GB"/>
           </a:p>
@@ -6815,7 +6815,7 @@
           <a:p>
             <a:fld id="{5075CE0D-163E-D54F-96AD-C92D6F353048}" type="datetime1">
               <a:rPr lang="en-GB" smtClean="0"/>
-              <a:t>10/02/2022</a:t>
+              <a:t>16/02/2022</a:t>
             </a:fld>
             <a:endParaRPr lang="en-GB"/>
           </a:p>
@@ -8034,7 +8034,7 @@
           </a:ln>
           <a:extLst>
             <a:ext uri="{C572A759-6A51-4108-AA02-DFA0A04FC94B}">
-              <ma14:wrappingTextBoxFlag xmlns:ma14="http://schemas.microsoft.com/office/mac/drawingml/2011/main" xmlns="" val="1"/>
+              <ma14:wrappingTextBoxFlag xmlns="" xmlns:ma14="http://schemas.microsoft.com/office/mac/drawingml/2011/main" val="1"/>
             </a:ext>
           </a:extLst>
         </p:spPr>
@@ -8231,7 +8231,7 @@
           </a:ln>
           <a:extLst>
             <a:ext uri="{C572A759-6A51-4108-AA02-DFA0A04FC94B}">
-              <ma14:wrappingTextBoxFlag xmlns:ma14="http://schemas.microsoft.com/office/mac/drawingml/2011/main" xmlns="" val="1"/>
+              <ma14:wrappingTextBoxFlag xmlns="" xmlns:ma14="http://schemas.microsoft.com/office/mac/drawingml/2011/main" val="1"/>
             </a:ext>
           </a:extLst>
         </p:spPr>
@@ -8494,7 +8494,7 @@
           </a:ln>
           <a:extLst>
             <a:ext uri="{C572A759-6A51-4108-AA02-DFA0A04FC94B}">
-              <ma14:wrappingTextBoxFlag xmlns:ma14="http://schemas.microsoft.com/office/mac/drawingml/2011/main" xmlns="" val="1"/>
+              <ma14:wrappingTextBoxFlag xmlns="" xmlns:ma14="http://schemas.microsoft.com/office/mac/drawingml/2011/main" val="1"/>
             </a:ext>
           </a:extLst>
         </p:spPr>
@@ -9515,7 +9515,7 @@
           <a:p>
             <a:fld id="{330677AC-4808-7844-8878-C4DC36017FAF}" type="datetime1">
               <a:rPr lang="en-GB" smtClean="0"/>
-              <a:t>10/02/2022</a:t>
+              <a:t>16/02/2022</a:t>
             </a:fld>
             <a:endParaRPr lang="en-GB"/>
           </a:p>
@@ -10042,7 +10042,7 @@
           <a:p>
             <a:fld id="{05A8478A-EDB8-3145-A182-C5ED532937CD}" type="datetime1">
               <a:rPr lang="en-GB" smtClean="0"/>
-              <a:t>10/02/2022</a:t>
+              <a:t>16/02/2022</a:t>
             </a:fld>
             <a:endParaRPr lang="en-GB"/>
           </a:p>
@@ -10420,7 +10420,7 @@
           <a:p>
             <a:fld id="{3A861D55-4B75-6148-B497-8307DFA79D9F}" type="datetime1">
               <a:rPr lang="en-GB" smtClean="0"/>
-              <a:t>10/02/2022</a:t>
+              <a:t>16/02/2022</a:t>
             </a:fld>
             <a:endParaRPr lang="en-GB"/>
           </a:p>
@@ -10738,7 +10738,7 @@
           <a:p>
             <a:fld id="{23E27BC6-0B0F-3C48-A90A-106E7F9DC3AC}" type="datetime1">
               <a:rPr lang="en-GB" smtClean="0"/>
-              <a:t>10/02/2022</a:t>
+              <a:t>16/02/2022</a:t>
             </a:fld>
             <a:endParaRPr lang="en-GB"/>
           </a:p>
@@ -11120,7 +11120,7 @@
           <a:p>
             <a:fld id="{52156CEE-F6CC-7B46-8301-E62F55883839}" type="datetime1">
               <a:rPr lang="en-GB" smtClean="0"/>
-              <a:t>10/02/2022</a:t>
+              <a:t>16/02/2022</a:t>
             </a:fld>
             <a:endParaRPr lang="en-GB"/>
           </a:p>
@@ -11502,7 +11502,7 @@
           <a:p>
             <a:fld id="{F44621EF-E3B6-AC44-B311-3F80F8F520D1}" type="datetime1">
               <a:rPr lang="en-GB" smtClean="0"/>
-              <a:t>10/02/2022</a:t>
+              <a:t>16/02/2022</a:t>
             </a:fld>
             <a:endParaRPr lang="en-GB"/>
           </a:p>
@@ -11884,7 +11884,7 @@
           <a:p>
             <a:fld id="{D97C8151-BC5D-0342-B9A9-219468AF0BB5}" type="datetime1">
               <a:rPr lang="en-GB" smtClean="0"/>
-              <a:t>10/02/2022</a:t>
+              <a:t>16/02/2022</a:t>
             </a:fld>
             <a:endParaRPr lang="en-GB"/>
           </a:p>
@@ -12217,7 +12217,7 @@
           <a:p>
             <a:fld id="{31D05CA0-F179-1E48-8911-D48A170F3146}" type="datetime1">
               <a:rPr lang="en-GB" smtClean="0"/>
-              <a:t>10/02/2022</a:t>
+              <a:t>16/02/2022</a:t>
             </a:fld>
             <a:endParaRPr lang="en-GB"/>
           </a:p>
@@ -17932,18 +17932,18 @@
 </file>
 
 <file path=customXml/item1.xml><?xml version="1.0" encoding="utf-8"?>
-<p:properties xmlns:p="http://schemas.microsoft.com/office/2006/metadata/properties" xmlns:xsi="http://www.w3.org/2001/XMLSchema-instance" xmlns:pc="http://schemas.microsoft.com/office/infopath/2007/PartnerControls">
-  <documentManagement/>
-</p:properties>
-</file>
-
-<file path=customXml/item2.xml><?xml version="1.0" encoding="utf-8"?>
 <?mso-contentType ?>
 <FormTemplates xmlns="http://schemas.microsoft.com/sharepoint/v3/contenttype/forms">
   <Display>DocumentLibraryForm</Display>
   <Edit>DocumentLibraryForm</Edit>
   <New>DocumentLibraryForm</New>
 </FormTemplates>
+</file>
+
+<file path=customXml/item2.xml><?xml version="1.0" encoding="utf-8"?>
+<p:properties xmlns:p="http://schemas.microsoft.com/office/2006/metadata/properties" xmlns:xsi="http://www.w3.org/2001/XMLSchema-instance" xmlns:pc="http://schemas.microsoft.com/office/infopath/2007/PartnerControls">
+  <documentManagement/>
+</p:properties>
 </file>
 
 <file path=customXml/item3.xml><?xml version="1.0" encoding="utf-8"?>
@@ -18164,6 +18164,14 @@
 </file>
 
 <file path=customXml/itemProps1.xml><?xml version="1.0" encoding="utf-8"?>
+<ds:datastoreItem xmlns:ds="http://schemas.openxmlformats.org/officeDocument/2006/customXml" ds:itemID="{CE1CAEE4-FACD-4E29-9FA2-1415ACCF9B2B}">
+  <ds:schemaRefs>
+    <ds:schemaRef ds:uri="http://schemas.microsoft.com/sharepoint/v3/contenttype/forms"/>
+  </ds:schemaRefs>
+</ds:datastoreItem>
+</file>
+
+<file path=customXml/itemProps2.xml><?xml version="1.0" encoding="utf-8"?>
 <ds:datastoreItem xmlns:ds="http://schemas.openxmlformats.org/officeDocument/2006/customXml" ds:itemID="{7C3E776E-B10B-4ADA-92E8-25AFDF00BE65}">
   <ds:schemaRefs>
     <ds:schemaRef ds:uri="16822fe8-4949-411e-b509-0583e0da6ec6"/>
@@ -18176,14 +18184,6 @@
     <ds:schemaRef ds:uri="http://schemas.microsoft.com/office/infopath/2007/PartnerControls"/>
     <ds:schemaRef ds:uri="http://schemas.openxmlformats.org/package/2006/metadata/core-properties"/>
     <ds:schemaRef ds:uri="http://www.w3.org/XML/1998/namespace"/>
-  </ds:schemaRefs>
-</ds:datastoreItem>
-</file>
-
-<file path=customXml/itemProps2.xml><?xml version="1.0" encoding="utf-8"?>
-<ds:datastoreItem xmlns:ds="http://schemas.openxmlformats.org/officeDocument/2006/customXml" ds:itemID="{CE1CAEE4-FACD-4E29-9FA2-1415ACCF9B2B}">
-  <ds:schemaRefs>
-    <ds:schemaRef ds:uri="http://schemas.microsoft.com/sharepoint/v3/contenttype/forms"/>
   </ds:schemaRefs>
 </ds:datastoreItem>
 </file>
